--- a/challenges/mmap_chunks/mmap.pptx
+++ b/challenges/mmap_chunks/mmap.pptx
@@ -4029,7 +4029,7 @@
         <a:p>
           <a:r>
             <a:rPr lang="en-US" dirty="0"/>
-            <a:t>Comments shall do</a:t>
+            <a:t>Comments</a:t>
           </a:r>
         </a:p>
       </dgm:t>
@@ -4178,7 +4178,7 @@
         <a:lstStyle/>
         <a:p>
           <a:r>
-            <a:rPr lang="en-US"/>
+            <a:rPr lang="en-US" dirty="0"/>
             <a:t>Comments</a:t>
           </a:r>
         </a:p>
@@ -4250,7 +4250,7 @@
         <a:lstStyle/>
         <a:p>
           <a:r>
-            <a:rPr lang="en-US"/>
+            <a:rPr lang="en-US" dirty="0"/>
             <a:t>Print statements</a:t>
           </a:r>
         </a:p>
@@ -4297,6 +4297,28 @@
       <dgm:spPr/>
     </dgm:pt>
     <dgm:pt modelId="{87EA8A10-9D81-4745-B3FA-3A0819CACE35}" type="sibTrans" cxnId="{90516A5F-D6D2-D040-861C-027F9354690B}">
+      <dgm:prSet/>
+      <dgm:spPr/>
+    </dgm:pt>
+    <dgm:pt modelId="{F0C0A59C-6CD2-4F4D-B45F-E11A8D1CF579}">
+      <dgm:prSet/>
+      <dgm:spPr/>
+      <dgm:t>
+        <a:bodyPr/>
+        <a:lstStyle/>
+        <a:p>
+          <a:r>
+            <a:rPr lang="en-US" dirty="0"/>
+            <a:t>Print statements</a:t>
+          </a:r>
+        </a:p>
+      </dgm:t>
+    </dgm:pt>
+    <dgm:pt modelId="{DC03F508-FBF3-3345-A14F-50A11F668035}" type="parTrans" cxnId="{55195C55-6F51-A24D-B725-B9DB056A7242}">
+      <dgm:prSet/>
+      <dgm:spPr/>
+    </dgm:pt>
+    <dgm:pt modelId="{E6779344-2D50-9747-9BD2-73AA144CAB35}" type="sibTrans" cxnId="{55195C55-6F51-A24D-B725-B9DB056A7242}">
       <dgm:prSet/>
       <dgm:spPr/>
     </dgm:pt>
@@ -4432,6 +4454,7 @@
     <dgm:cxn modelId="{B2605C42-3879-DD4B-95C7-10E09E29226E}" type="presOf" srcId="{DAE93F0C-E4F4-004D-94E0-52B199139577}" destId="{36A160DB-C3A5-4B46-97F7-B28EC838E1B5}" srcOrd="0" destOrd="2" presId="urn:microsoft.com/office/officeart/2016/7/layout/BasicLinearProcessNumbered"/>
     <dgm:cxn modelId="{EAD72851-8E13-460B-96BD-A49F4ECB3266}" srcId="{71077C4A-B984-4DB5-9342-13170A92163A}" destId="{3D6F0D3F-8999-4DBC-9C2E-DFDD0367E119}" srcOrd="2" destOrd="0" parTransId="{8E3F3134-24D7-4716-8CFD-673DF0927722}" sibTransId="{9D4C70EB-389C-445E-A83E-A61A99BB085D}"/>
     <dgm:cxn modelId="{2824B351-83E5-1E4A-BB9E-C984E2A25218}" type="presOf" srcId="{71077C4A-B984-4DB5-9342-13170A92163A}" destId="{4842DFEA-3B0B-F744-9C56-8901B0AD1E9E}" srcOrd="0" destOrd="0" presId="urn:microsoft.com/office/officeart/2016/7/layout/BasicLinearProcessNumbered"/>
+    <dgm:cxn modelId="{55195C55-6F51-A24D-B725-B9DB056A7242}" srcId="{27EA285B-BB8D-4F51-B9C5-38C959AD41AD}" destId="{F0C0A59C-6CD2-4F4D-B45F-E11A8D1CF579}" srcOrd="1" destOrd="0" parTransId="{DC03F508-FBF3-3345-A14F-50A11F668035}" sibTransId="{E6779344-2D50-9747-9BD2-73AA144CAB35}"/>
     <dgm:cxn modelId="{90516A5F-D6D2-D040-861C-027F9354690B}" srcId="{16C61DD0-D59E-4B13-A8A8-37BDBBD618ED}" destId="{DAE93F0C-E4F4-004D-94E0-52B199139577}" srcOrd="1" destOrd="0" parTransId="{2133DCA3-8A40-D24B-BD2C-2431B21F74CD}" sibTransId="{87EA8A10-9D81-4745-B3FA-3A0819CACE35}"/>
     <dgm:cxn modelId="{2331527D-CFD5-4E4C-815D-0DAA1320EFB1}" srcId="{71077C4A-B984-4DB5-9342-13170A92163A}" destId="{BBC53B0C-2BEA-4ADD-A718-3F81BE6AA46C}" srcOrd="1" destOrd="0" parTransId="{590ACD10-3CB1-4C9B-B724-0B2D790F7A68}" sibTransId="{3323CA3B-C2EA-42B9-92D2-2E240577AFE0}"/>
     <dgm:cxn modelId="{F32E3380-A929-3442-B996-FD696F3CECB3}" type="presOf" srcId="{28074C20-547C-4CB4-8EB3-E9E6E9F55FFF}" destId="{71E0C4C5-4ED5-1A45-BD1A-0EB7872FEBCF}" srcOrd="0" destOrd="1" presId="urn:microsoft.com/office/officeart/2016/7/layout/BasicLinearProcessNumbered"/>
@@ -4440,6 +4463,7 @@
     <dgm:cxn modelId="{E7C2FA94-F24C-0746-89CB-4ED05325859D}" type="presOf" srcId="{27EA285B-BB8D-4F51-B9C5-38C959AD41AD}" destId="{71E0C4C5-4ED5-1A45-BD1A-0EB7872FEBCF}" srcOrd="1" destOrd="0" presId="urn:microsoft.com/office/officeart/2016/7/layout/BasicLinearProcessNumbered"/>
     <dgm:cxn modelId="{FB9BF996-2297-4462-AB3A-35E0BEC190EA}" srcId="{27EA285B-BB8D-4F51-B9C5-38C959AD41AD}" destId="{28074C20-547C-4CB4-8EB3-E9E6E9F55FFF}" srcOrd="0" destOrd="0" parTransId="{D7CA6679-13EA-43BA-A2DF-A5F986A7DD7C}" sibTransId="{02B89734-8439-4C48-AC90-5151AEA07C73}"/>
     <dgm:cxn modelId="{9D86F697-6BC9-4AC2-AA69-BE2FE5842DD2}" srcId="{16C61DD0-D59E-4B13-A8A8-37BDBBD618ED}" destId="{A690F413-7FC8-433E-BB1B-D13EA1A49EA7}" srcOrd="0" destOrd="0" parTransId="{819A8419-CD49-47EE-A566-2B17CF0E7448}" sibTransId="{6CA662DD-2B81-422C-95E2-EB5F2E6FA813}"/>
+    <dgm:cxn modelId="{35DBF797-D3F6-7D49-9675-05DA85CF795C}" type="presOf" srcId="{F0C0A59C-6CD2-4F4D-B45F-E11A8D1CF579}" destId="{71E0C4C5-4ED5-1A45-BD1A-0EB7872FEBCF}" srcOrd="0" destOrd="2" presId="urn:microsoft.com/office/officeart/2016/7/layout/BasicLinearProcessNumbered"/>
     <dgm:cxn modelId="{22BEF999-BF45-3E40-8B0E-5C4C17AD419E}" type="presOf" srcId="{25D6A861-190C-4A61-B193-8E3D74005F36}" destId="{C20EAAED-7458-4745-8E0C-2EF26B469691}" srcOrd="0" destOrd="0" presId="urn:microsoft.com/office/officeart/2016/7/layout/BasicLinearProcessNumbered"/>
     <dgm:cxn modelId="{ED4DD5A0-CD69-8E4B-963F-D32176EF7895}" type="presOf" srcId="{A690F413-7FC8-433E-BB1B-D13EA1A49EA7}" destId="{36A160DB-C3A5-4B46-97F7-B28EC838E1B5}" srcOrd="0" destOrd="1" presId="urn:microsoft.com/office/officeart/2016/7/layout/BasicLinearProcessNumbered"/>
     <dgm:cxn modelId="{3E6975A5-9AB4-D548-8A6F-153F70CBF97F}" type="presOf" srcId="{16C61DD0-D59E-4B13-A8A8-37BDBBD618ED}" destId="{36A160DB-C3A5-4B46-97F7-B28EC838E1B5}" srcOrd="1" destOrd="0" presId="urn:microsoft.com/office/officeart/2016/7/layout/BasicLinearProcessNumbered"/>
@@ -5602,7 +5626,25 @@
           </a:pPr>
           <a:r>
             <a:rPr lang="en-US" sz="1500" kern="1200" dirty="0"/>
-            <a:t>Comments shall do</a:t>
+            <a:t>Comments</a:t>
+          </a:r>
+        </a:p>
+        <a:p>
+          <a:pPr marL="114300" lvl="1" indent="-114300" algn="l" defTabSz="666750">
+            <a:lnSpc>
+              <a:spcPct val="90000"/>
+            </a:lnSpc>
+            <a:spcBef>
+              <a:spcPct val="0"/>
+            </a:spcBef>
+            <a:spcAft>
+              <a:spcPct val="15000"/>
+            </a:spcAft>
+            <a:buChar char="•"/>
+          </a:pPr>
+          <a:r>
+            <a:rPr lang="en-US" sz="1500" kern="1200" dirty="0"/>
+            <a:t>Print statements</a:t>
           </a:r>
         </a:p>
       </dsp:txBody>
@@ -6071,7 +6113,7 @@
             <a:buChar char="•"/>
           </a:pPr>
           <a:r>
-            <a:rPr lang="en-US" sz="1500" kern="1200"/>
+            <a:rPr lang="en-US" sz="1500" kern="1200" dirty="0"/>
             <a:t>Comments</a:t>
           </a:r>
         </a:p>
@@ -6107,7 +6149,7 @@
             <a:buChar char="•"/>
           </a:pPr>
           <a:r>
-            <a:rPr lang="en-US" sz="1500" kern="1200"/>
+            <a:rPr lang="en-US" sz="1500" kern="1200" dirty="0"/>
             <a:t>Print statements</a:t>
           </a:r>
         </a:p>
@@ -11316,7 +11358,7 @@
           <a:p>
             <a:fld id="{2DA23E8D-1792-1541-9147-970A8DD8A355}" type="datetimeFigureOut">
               <a:rPr lang="en-US" smtClean="0"/>
-              <a:t>5/4/21</a:t>
+              <a:t>5/17/21</a:t>
             </a:fld>
             <a:endParaRPr lang="en-US" dirty="0"/>
           </a:p>
@@ -11870,7 +11912,7 @@
                 <a:latin typeface="Calibri"/>
               </a:rPr>
               <a:pPr/>
-              <a:t>5/4/21</a:t>
+              <a:t>5/17/21</a:t>
             </a:fld>
             <a:endParaRPr lang="en-US" dirty="0">
               <a:solidFill>
@@ -12123,7 +12165,7 @@
                 <a:latin typeface="Calibri"/>
               </a:rPr>
               <a:pPr/>
-              <a:t>5/4/21</a:t>
+              <a:t>5/17/21</a:t>
             </a:fld>
             <a:endParaRPr lang="en-US" dirty="0">
               <a:solidFill>
@@ -12338,7 +12380,7 @@
                 <a:latin typeface="Calibri"/>
               </a:rPr>
               <a:pPr/>
-              <a:t>5/4/21</a:t>
+              <a:t>5/17/21</a:t>
             </a:fld>
             <a:endParaRPr lang="en-US" dirty="0">
               <a:solidFill>
@@ -12622,7 +12664,7 @@
                 <a:latin typeface="Calibri"/>
               </a:rPr>
               <a:pPr/>
-              <a:t>5/4/21</a:t>
+              <a:t>5/17/21</a:t>
             </a:fld>
             <a:endParaRPr lang="en-US" dirty="0">
               <a:solidFill>
@@ -12964,7 +13006,7 @@
                 <a:latin typeface="Calibri"/>
               </a:rPr>
               <a:pPr/>
-              <a:t>5/4/21</a:t>
+              <a:t>5/17/21</a:t>
             </a:fld>
             <a:endParaRPr lang="en-US" dirty="0">
               <a:solidFill>
@@ -13292,7 +13334,7 @@
                 <a:latin typeface="Calibri"/>
               </a:rPr>
               <a:pPr/>
-              <a:t>5/4/21</a:t>
+              <a:t>5/17/21</a:t>
             </a:fld>
             <a:endParaRPr lang="en-US" dirty="0">
               <a:solidFill>
@@ -13781,7 +13823,7 @@
                 <a:latin typeface="Calibri"/>
               </a:rPr>
               <a:pPr/>
-              <a:t>5/4/21</a:t>
+              <a:t>5/17/21</a:t>
             </a:fld>
             <a:endParaRPr lang="en-US" dirty="0">
               <a:solidFill>
@@ -13964,7 +14006,7 @@
                 <a:latin typeface="Calibri"/>
               </a:rPr>
               <a:pPr/>
-              <a:t>5/4/21</a:t>
+              <a:t>5/17/21</a:t>
             </a:fld>
             <a:endParaRPr lang="en-US" dirty="0">
               <a:solidFill>
@@ -14210,7 +14252,7 @@
                 <a:latin typeface="Calibri"/>
               </a:rPr>
               <a:pPr/>
-              <a:t>5/4/21</a:t>
+              <a:t>5/17/21</a:t>
             </a:fld>
             <a:endParaRPr lang="en-US" dirty="0">
               <a:solidFill>
@@ -14552,7 +14594,7 @@
                 <a:latin typeface="Calibri"/>
               </a:rPr>
               <a:pPr/>
-              <a:t>5/4/21</a:t>
+              <a:t>5/17/21</a:t>
             </a:fld>
             <a:endParaRPr lang="en-US" dirty="0">
               <a:solidFill>
@@ -14844,7 +14886,7 @@
                 <a:latin typeface="Calibri"/>
               </a:rPr>
               <a:pPr/>
-              <a:t>5/4/21</a:t>
+              <a:t>5/17/21</a:t>
             </a:fld>
             <a:endParaRPr lang="en-US" dirty="0">
               <a:solidFill>
@@ -15094,7 +15136,7 @@
                 <a:latin typeface="Calibri"/>
               </a:rPr>
               <a:pPr defTabSz="914400"/>
-              <a:t>5/4/21</a:t>
+              <a:t>5/17/21</a:t>
             </a:fld>
             <a:endParaRPr lang="en-US" dirty="0">
               <a:solidFill>
@@ -16569,15 +16611,6 @@
           <a:solidFill>
             <a:srgbClr val="FFFFFF"/>
           </a:solidFill>
-          <a:extLst>
-            <a:ext uri="{909E8E84-426E-40DD-AFC4-6F175D3DCCD1}">
-              <a14:hiddenFill xmlns:a14="http://schemas.microsoft.com/office/drawing/2010/main">
-                <a:solidFill>
-                  <a:srgbClr val="FFFFFF"/>
-                </a:solidFill>
-              </a14:hiddenFill>
-            </a:ext>
-          </a:extLst>
         </p:spPr>
       </p:pic>
       <p:sp>
@@ -19594,7 +19627,7 @@
             <p:ph idx="1"/>
             <p:extLst>
               <p:ext uri="{D42A27DB-BD31-4B8C-83A1-F6EECF244321}">
-                <p14:modId xmlns:p14="http://schemas.microsoft.com/office/powerpoint/2010/main" val="2838101957"/>
+                <p14:modId xmlns:p14="http://schemas.microsoft.com/office/powerpoint/2010/main" val="1810222103"/>
               </p:ext>
             </p:extLst>
           </p:nvPr>
@@ -20334,15 +20367,6 @@
           <a:solidFill>
             <a:srgbClr val="FFFFFF"/>
           </a:solidFill>
-          <a:extLst>
-            <a:ext uri="{909E8E84-426E-40DD-AFC4-6F175D3DCCD1}">
-              <a14:hiddenFill xmlns:a14="http://schemas.microsoft.com/office/drawing/2010/main">
-                <a:solidFill>
-                  <a:srgbClr val="FFFFFF"/>
-                </a:solidFill>
-              </a14:hiddenFill>
-            </a:ext>
-          </a:extLst>
         </p:spPr>
       </p:pic>
     </p:spTree>
@@ -21761,15 +21785,6 @@
           <a:solidFill>
             <a:srgbClr val="FFFFFF"/>
           </a:solidFill>
-          <a:extLst>
-            <a:ext uri="{909E8E84-426E-40DD-AFC4-6F175D3DCCD1}">
-              <a14:hiddenFill xmlns:a14="http://schemas.microsoft.com/office/drawing/2010/main">
-                <a:solidFill>
-                  <a:srgbClr val="FFFFFF"/>
-                </a:solidFill>
-              </a14:hiddenFill>
-            </a:ext>
-          </a:extLst>
         </p:spPr>
       </p:pic>
     </p:spTree>
@@ -21874,15 +21889,6 @@
           <a:solidFill>
             <a:srgbClr val="FFFFFF"/>
           </a:solidFill>
-          <a:extLst>
-            <a:ext uri="{909E8E84-426E-40DD-AFC4-6F175D3DCCD1}">
-              <a14:hiddenFill xmlns:a14="http://schemas.microsoft.com/office/drawing/2010/main">
-                <a:solidFill>
-                  <a:srgbClr val="FFFFFF"/>
-                </a:solidFill>
-              </a14:hiddenFill>
-            </a:ext>
-          </a:extLst>
         </p:spPr>
       </p:pic>
       <p:sp>
